--- a/2017/DEW/U05/LINTER.pptx
+++ b/2017/DEW/U05/LINTER.pptx
@@ -119,7 +119,16 @@
       </a:defRPr>
     </a:lvl9pPr>
   </p:defaultTextStyle>
+  <p:extLst>
+    <p:ext uri="{EFAFB233-063F-42B5-8137-9DF3F51BA10A}">
+      <p15:sldGuideLst xmlns:p15="http://schemas.microsoft.com/office/powerpoint/2012/main"/>
+    </p:ext>
+  </p:extLst>
 </p:presentation>
+</file>
+
+<file path=ppt/revisionInfo.xml><?xml version="1.0" encoding="utf-8"?>
+<p1510:revInfo xmlns:a="http://schemas.openxmlformats.org/drawingml/2006/main" xmlns:r="http://schemas.openxmlformats.org/officeDocument/2006/relationships" xmlns:p1510="http://schemas.microsoft.com/office/powerpoint/2015/10/main"/>
 </file>
 
 <file path=ppt/slideLayouts/slideLayout1.xml><?xml version="1.0" encoding="utf-8"?>
@@ -6337,13 +6346,13 @@
   <p:clrMapOvr>
     <a:masterClrMapping/>
   </p:clrMapOvr>
-  <mc:AlternateContent xmlns:mc="http://schemas.openxmlformats.org/markup-compatibility/2006">
-    <mc:Choice xmlns:p14="http://schemas.microsoft.com/office/powerpoint/2010/main" Requires="p14">
+  <mc:AlternateContent xmlns:mc="http://schemas.openxmlformats.org/markup-compatibility/2006" xmlns:p14="http://schemas.microsoft.com/office/powerpoint/2010/main">
+    <mc:Choice Requires="p14">
       <p:transition spd="med" p14:dur="700">
         <p:fade/>
       </p:transition>
     </mc:Choice>
-    <mc:Fallback>
+    <mc:Fallback xmlns="">
       <p:transition spd="med">
         <p:fade/>
       </p:transition>
@@ -7185,13 +7194,13 @@
   <p:clrMapOvr>
     <a:masterClrMapping/>
   </p:clrMapOvr>
-  <mc:AlternateContent xmlns:mc="http://schemas.openxmlformats.org/markup-compatibility/2006">
-    <mc:Choice xmlns:p14="http://schemas.microsoft.com/office/powerpoint/2010/main" Requires="p14">
+  <mc:AlternateContent xmlns:mc="http://schemas.openxmlformats.org/markup-compatibility/2006" xmlns:p14="http://schemas.microsoft.com/office/powerpoint/2010/main">
+    <mc:Choice Requires="p14">
       <p:transition spd="med" p14:dur="700">
         <p:fade/>
       </p:transition>
     </mc:Choice>
-    <mc:Fallback>
+    <mc:Fallback xmlns="">
       <p:transition spd="med">
         <p:fade/>
       </p:transition>
@@ -7931,13 +7940,13 @@
   <p:clrMapOvr>
     <a:masterClrMapping/>
   </p:clrMapOvr>
-  <mc:AlternateContent xmlns:mc="http://schemas.openxmlformats.org/markup-compatibility/2006">
-    <mc:Choice xmlns:p14="http://schemas.microsoft.com/office/powerpoint/2010/main" Requires="p14">
+  <mc:AlternateContent xmlns:mc="http://schemas.openxmlformats.org/markup-compatibility/2006" xmlns:p14="http://schemas.microsoft.com/office/powerpoint/2010/main">
+    <mc:Choice Requires="p14">
       <p:transition spd="med" p14:dur="700">
         <p:fade/>
       </p:transition>
     </mc:Choice>
-    <mc:Fallback>
+    <mc:Fallback xmlns="">
       <p:transition spd="med">
         <p:fade/>
       </p:transition>
@@ -9378,13 +9387,13 @@
   <p:clrMapOvr>
     <a:masterClrMapping/>
   </p:clrMapOvr>
-  <mc:AlternateContent xmlns:mc="http://schemas.openxmlformats.org/markup-compatibility/2006">
-    <mc:Choice xmlns:p14="http://schemas.microsoft.com/office/powerpoint/2010/main" Requires="p14">
+  <mc:AlternateContent xmlns:mc="http://schemas.openxmlformats.org/markup-compatibility/2006" xmlns:p14="http://schemas.microsoft.com/office/powerpoint/2010/main">
+    <mc:Choice Requires="p14">
       <p:transition spd="med" p14:dur="700">
         <p:fade/>
       </p:transition>
     </mc:Choice>
-    <mc:Fallback>
+    <mc:Fallback xmlns="">
       <p:transition spd="med">
         <p:fade/>
       </p:transition>
@@ -10530,41 +10539,6 @@
       </p:sp>
       <p:sp>
         <p:nvSpPr>
-          <p:cNvPr id="11" name="CuadroTexto 10">
-            <a:extLst>
-              <a:ext uri="{FF2B5EF4-FFF2-40B4-BE49-F238E27FC236}">
-                <a16:creationId xmlns:a16="http://schemas.microsoft.com/office/drawing/2014/main" id="{A403B0C5-DCA6-4D31-84DE-E4E46B56C260}"/>
-              </a:ext>
-            </a:extLst>
-          </p:cNvPr>
-          <p:cNvSpPr txBox="1"/>
-          <p:nvPr/>
-        </p:nvSpPr>
-        <p:spPr>
-          <a:xfrm>
-            <a:off x="7358876" y="1900747"/>
-            <a:ext cx="428322" cy="369332"/>
-          </a:xfrm>
-          <a:prstGeom prst="rect">
-            <a:avLst/>
-          </a:prstGeom>
-          <a:noFill/>
-        </p:spPr>
-        <p:txBody>
-          <a:bodyPr wrap="none" rtlCol="0">
-            <a:spAutoFit/>
-          </a:bodyPr>
-          <a:lstStyle/>
-          <a:p>
-            <a:r>
-              <a:rPr lang="es-ES" b="1" dirty="0"/>
-              <a:t>=&gt;</a:t>
-            </a:r>
-          </a:p>
-        </p:txBody>
-      </p:sp>
-      <p:sp>
-        <p:nvSpPr>
           <p:cNvPr id="12" name="CuadroTexto 11">
             <a:extLst>
               <a:ext uri="{FF2B5EF4-FFF2-40B4-BE49-F238E27FC236}">
@@ -10957,7 +10931,7 @@
         </p:blipFill>
         <p:spPr>
           <a:xfrm>
-            <a:off x="3098714" y="1749413"/>
+            <a:off x="3144063" y="1665329"/>
             <a:ext cx="6496050" cy="447675"/>
           </a:xfrm>
           <a:prstGeom prst="rect">
@@ -11625,13 +11599,13 @@
   <p:clrMapOvr>
     <a:masterClrMapping/>
   </p:clrMapOvr>
-  <mc:AlternateContent xmlns:mc="http://schemas.openxmlformats.org/markup-compatibility/2006">
-    <mc:Choice xmlns:p14="http://schemas.microsoft.com/office/powerpoint/2010/main" Requires="p14">
+  <mc:AlternateContent xmlns:mc="http://schemas.openxmlformats.org/markup-compatibility/2006" xmlns:p14="http://schemas.microsoft.com/office/powerpoint/2010/main">
+    <mc:Choice Requires="p14">
       <p:transition spd="med" p14:dur="700">
         <p:fade/>
       </p:transition>
     </mc:Choice>
-    <mc:Fallback>
+    <mc:Fallback xmlns="">
       <p:transition spd="med">
         <p:fade/>
       </p:transition>
@@ -13748,13 +13722,13 @@
   <p:clrMapOvr>
     <a:masterClrMapping/>
   </p:clrMapOvr>
-  <mc:AlternateContent xmlns:mc="http://schemas.openxmlformats.org/markup-compatibility/2006">
-    <mc:Choice xmlns:p14="http://schemas.microsoft.com/office/powerpoint/2010/main" Requires="p14">
+  <mc:AlternateContent xmlns:mc="http://schemas.openxmlformats.org/markup-compatibility/2006" xmlns:p14="http://schemas.microsoft.com/office/powerpoint/2010/main">
+    <mc:Choice Requires="p14">
       <p:transition spd="med" p14:dur="700">
         <p:fade/>
       </p:transition>
     </mc:Choice>
-    <mc:Fallback>
+    <mc:Fallback xmlns="">
       <p:transition spd="med">
         <p:fade/>
       </p:transition>
@@ -14977,14 +14951,41 @@
           <a:lstStyle/>
           <a:p>
             <a:r>
-              <a:rPr lang="en-US" dirty="0"/>
-              <a:t>Missing semicolon. </a:t>
-            </a:r>
-            <a:r>
-              <a:rPr lang="en-US" b="1" dirty="0"/>
-              <a:t>(semi)</a:t>
-            </a:r>
-            <a:endParaRPr lang="es-ES" b="1" dirty="0"/>
+              <a:rPr lang="fr-FR" dirty="0"/>
+              <a:t>Enforce </a:t>
+            </a:r>
+            <a:r>
+              <a:rPr lang="fr-FR" dirty="0" err="1"/>
+              <a:t>valid</a:t>
+            </a:r>
+            <a:r>
+              <a:rPr lang="fr-FR" dirty="0"/>
+              <a:t> </a:t>
+            </a:r>
+            <a:r>
+              <a:rPr lang="fr-FR" dirty="0" err="1"/>
+              <a:t>JSDoc</a:t>
+            </a:r>
+            <a:r>
+              <a:rPr lang="fr-FR" dirty="0"/>
+              <a:t> </a:t>
+            </a:r>
+            <a:r>
+              <a:rPr lang="fr-FR" dirty="0" err="1"/>
+              <a:t>comments</a:t>
+            </a:r>
+            <a:r>
+              <a:rPr lang="fr-FR" dirty="0"/>
+              <a:t> (</a:t>
+            </a:r>
+            <a:r>
+              <a:rPr lang="fr-FR" dirty="0" err="1"/>
+              <a:t>valid-jsdoc</a:t>
+            </a:r>
+            <a:r>
+              <a:rPr lang="fr-FR" dirty="0"/>
+              <a:t>)</a:t>
+            </a:r>
           </a:p>
         </p:txBody>
       </p:sp>
@@ -15851,13 +15852,13 @@
   <p:clrMapOvr>
     <a:masterClrMapping/>
   </p:clrMapOvr>
-  <mc:AlternateContent xmlns:mc="http://schemas.openxmlformats.org/markup-compatibility/2006">
-    <mc:Choice xmlns:p14="http://schemas.microsoft.com/office/powerpoint/2010/main" Requires="p14">
+  <mc:AlternateContent xmlns:mc="http://schemas.openxmlformats.org/markup-compatibility/2006" xmlns:p14="http://schemas.microsoft.com/office/powerpoint/2010/main">
+    <mc:Choice Requires="p14">
       <p:transition spd="med" p14:dur="700">
         <p:fade/>
       </p:transition>
     </mc:Choice>
-    <mc:Fallback>
+    <mc:Fallback xmlns="">
       <p:transition spd="med">
         <p:fade/>
       </p:transition>
@@ -16007,7 +16008,7 @@
                             </p:stCondLst>
                             <p:childTnLst>
                               <p:par>
-                                <p:cTn id="16" presetID="10" presetClass="entr" presetSubtype="0" fill="hold" nodeType="clickEffect">
+                                <p:cTn id="16" presetID="10" presetClass="entr" presetSubtype="0" fill="hold" grpId="0" nodeType="clickEffect">
                                   <p:stCondLst>
                                     <p:cond delay="0"/>
                                   </p:stCondLst>
@@ -16020,7 +16021,7 @@
                                           </p:stCondLst>
                                         </p:cTn>
                                         <p:tgtEl>
-                                          <p:spTgt spid="21"/>
+                                          <p:spTgt spid="12"/>
                                         </p:tgtEl>
                                         <p:attrNameLst>
                                           <p:attrName>style.visibility</p:attrName>
@@ -16034,7 +16035,7 @@
                                       <p:cBhvr>
                                         <p:cTn id="18" dur="500"/>
                                         <p:tgtEl>
-                                          <p:spTgt spid="21"/>
+                                          <p:spTgt spid="12"/>
                                         </p:tgtEl>
                                       </p:cBhvr>
                                     </p:animEffect>
@@ -16060,7 +16061,7 @@
                             </p:stCondLst>
                             <p:childTnLst>
                               <p:par>
-                                <p:cTn id="21" presetID="10" presetClass="entr" presetSubtype="0" fill="hold" grpId="0" nodeType="clickEffect">
+                                <p:cTn id="21" presetID="10" presetClass="entr" presetSubtype="0" fill="hold" nodeType="clickEffect">
                                   <p:stCondLst>
                                     <p:cond delay="0"/>
                                   </p:stCondLst>
@@ -16073,7 +16074,7 @@
                                           </p:stCondLst>
                                         </p:cTn>
                                         <p:tgtEl>
-                                          <p:spTgt spid="12"/>
+                                          <p:spTgt spid="26"/>
                                         </p:tgtEl>
                                         <p:attrNameLst>
                                           <p:attrName>style.visibility</p:attrName>
@@ -16087,7 +16088,42 @@
                                       <p:cBhvr>
                                         <p:cTn id="23" dur="500"/>
                                         <p:tgtEl>
-                                          <p:spTgt spid="12"/>
+                                          <p:spTgt spid="26"/>
+                                        </p:tgtEl>
+                                      </p:cBhvr>
+                                    </p:animEffect>
+                                  </p:childTnLst>
+                                </p:cTn>
+                              </p:par>
+                              <p:par>
+                                <p:cTn id="24" presetID="10" presetClass="entr" presetSubtype="0" fill="hold" nodeType="withEffect">
+                                  <p:stCondLst>
+                                    <p:cond delay="0"/>
+                                  </p:stCondLst>
+                                  <p:childTnLst>
+                                    <p:set>
+                                      <p:cBhvr>
+                                        <p:cTn id="25" dur="1" fill="hold">
+                                          <p:stCondLst>
+                                            <p:cond delay="0"/>
+                                          </p:stCondLst>
+                                        </p:cTn>
+                                        <p:tgtEl>
+                                          <p:spTgt spid="3"/>
+                                        </p:tgtEl>
+                                        <p:attrNameLst>
+                                          <p:attrName>style.visibility</p:attrName>
+                                        </p:attrNameLst>
+                                      </p:cBhvr>
+                                      <p:to>
+                                        <p:strVal val="visible"/>
+                                      </p:to>
+                                    </p:set>
+                                    <p:animEffect transition="in" filter="fade">
+                                      <p:cBhvr>
+                                        <p:cTn id="26" dur="500"/>
+                                        <p:tgtEl>
+                                          <p:spTgt spid="3"/>
                                         </p:tgtEl>
                                       </p:cBhvr>
                                     </p:animEffect>
@@ -16101,32 +16137,32 @@
                     </p:cTn>
                   </p:par>
                   <p:par>
-                    <p:cTn id="24" fill="hold">
+                    <p:cTn id="27" fill="hold">
                       <p:stCondLst>
                         <p:cond delay="indefinite"/>
                       </p:stCondLst>
                       <p:childTnLst>
                         <p:par>
-                          <p:cTn id="25" fill="hold">
+                          <p:cTn id="28" fill="hold">
                             <p:stCondLst>
                               <p:cond delay="0"/>
                             </p:stCondLst>
                             <p:childTnLst>
                               <p:par>
-                                <p:cTn id="26" presetID="10" presetClass="entr" presetSubtype="0" fill="hold" nodeType="clickEffect">
+                                <p:cTn id="29" presetID="10" presetClass="entr" presetSubtype="0" fill="hold" grpId="0" nodeType="clickEffect">
                                   <p:stCondLst>
                                     <p:cond delay="0"/>
                                   </p:stCondLst>
                                   <p:childTnLst>
                                     <p:set>
                                       <p:cBhvr>
-                                        <p:cTn id="27" dur="1" fill="hold">
+                                        <p:cTn id="30" dur="1" fill="hold">
                                           <p:stCondLst>
                                             <p:cond delay="0"/>
                                           </p:stCondLst>
                                         </p:cTn>
                                         <p:tgtEl>
-                                          <p:spTgt spid="26"/>
+                                          <p:spTgt spid="32"/>
                                         </p:tgtEl>
                                         <p:attrNameLst>
                                           <p:attrName>style.visibility</p:attrName>
@@ -16138,9 +16174,9 @@
                                     </p:set>
                                     <p:animEffect transition="in" filter="fade">
                                       <p:cBhvr>
-                                        <p:cTn id="28" dur="500"/>
-                                        <p:tgtEl>
-                                          <p:spTgt spid="26"/>
+                                        <p:cTn id="31" dur="500"/>
+                                        <p:tgtEl>
+                                          <p:spTgt spid="32"/>
                                         </p:tgtEl>
                                       </p:cBhvr>
                                     </p:animEffect>
@@ -16148,20 +16184,20 @@
                                 </p:cTn>
                               </p:par>
                               <p:par>
-                                <p:cTn id="29" presetID="10" presetClass="entr" presetSubtype="0" fill="hold" nodeType="withEffect">
+                                <p:cTn id="32" presetID="10" presetClass="entr" presetSubtype="0" fill="hold" nodeType="withEffect">
                                   <p:stCondLst>
                                     <p:cond delay="0"/>
                                   </p:stCondLst>
                                   <p:childTnLst>
                                     <p:set>
                                       <p:cBhvr>
-                                        <p:cTn id="30" dur="1" fill="hold">
+                                        <p:cTn id="33" dur="1" fill="hold">
                                           <p:stCondLst>
                                             <p:cond delay="0"/>
                                           </p:stCondLst>
                                         </p:cTn>
                                         <p:tgtEl>
-                                          <p:spTgt spid="3"/>
+                                          <p:spTgt spid="4"/>
                                         </p:tgtEl>
                                         <p:attrNameLst>
                                           <p:attrName>style.visibility</p:attrName>
@@ -16173,9 +16209,9 @@
                                     </p:set>
                                     <p:animEffect transition="in" filter="fade">
                                       <p:cBhvr>
-                                        <p:cTn id="31" dur="500"/>
-                                        <p:tgtEl>
-                                          <p:spTgt spid="3"/>
+                                        <p:cTn id="34" dur="500"/>
+                                        <p:tgtEl>
+                                          <p:spTgt spid="4"/>
                                         </p:tgtEl>
                                       </p:cBhvr>
                                     </p:animEffect>
@@ -16189,32 +16225,32 @@
                     </p:cTn>
                   </p:par>
                   <p:par>
-                    <p:cTn id="32" fill="hold">
+                    <p:cTn id="35" fill="hold">
                       <p:stCondLst>
                         <p:cond delay="indefinite"/>
                       </p:stCondLst>
                       <p:childTnLst>
                         <p:par>
-                          <p:cTn id="33" fill="hold">
+                          <p:cTn id="36" fill="hold">
                             <p:stCondLst>
                               <p:cond delay="0"/>
                             </p:stCondLst>
                             <p:childTnLst>
                               <p:par>
-                                <p:cTn id="34" presetID="10" presetClass="entr" presetSubtype="0" fill="hold" grpId="0" nodeType="clickEffect">
+                                <p:cTn id="37" presetID="10" presetClass="entr" presetSubtype="0" fill="hold" grpId="0" nodeType="clickEffect">
                                   <p:stCondLst>
                                     <p:cond delay="0"/>
                                   </p:stCondLst>
                                   <p:childTnLst>
                                     <p:set>
                                       <p:cBhvr>
-                                        <p:cTn id="35" dur="1" fill="hold">
+                                        <p:cTn id="38" dur="1" fill="hold">
                                           <p:stCondLst>
                                             <p:cond delay="0"/>
                                           </p:stCondLst>
                                         </p:cTn>
                                         <p:tgtEl>
-                                          <p:spTgt spid="32"/>
+                                          <p:spTgt spid="13"/>
                                         </p:tgtEl>
                                         <p:attrNameLst>
                                           <p:attrName>style.visibility</p:attrName>
@@ -16226,44 +16262,9 @@
                                     </p:set>
                                     <p:animEffect transition="in" filter="fade">
                                       <p:cBhvr>
-                                        <p:cTn id="36" dur="500"/>
-                                        <p:tgtEl>
-                                          <p:spTgt spid="32"/>
-                                        </p:tgtEl>
-                                      </p:cBhvr>
-                                    </p:animEffect>
-                                  </p:childTnLst>
-                                </p:cTn>
-                              </p:par>
-                              <p:par>
-                                <p:cTn id="37" presetID="10" presetClass="entr" presetSubtype="0" fill="hold" nodeType="withEffect">
-                                  <p:stCondLst>
-                                    <p:cond delay="0"/>
-                                  </p:stCondLst>
-                                  <p:childTnLst>
-                                    <p:set>
-                                      <p:cBhvr>
-                                        <p:cTn id="38" dur="1" fill="hold">
-                                          <p:stCondLst>
-                                            <p:cond delay="0"/>
-                                          </p:stCondLst>
-                                        </p:cTn>
-                                        <p:tgtEl>
-                                          <p:spTgt spid="4"/>
-                                        </p:tgtEl>
-                                        <p:attrNameLst>
-                                          <p:attrName>style.visibility</p:attrName>
-                                        </p:attrNameLst>
-                                      </p:cBhvr>
-                                      <p:to>
-                                        <p:strVal val="visible"/>
-                                      </p:to>
-                                    </p:set>
-                                    <p:animEffect transition="in" filter="fade">
-                                      <p:cBhvr>
                                         <p:cTn id="39" dur="500"/>
                                         <p:tgtEl>
-                                          <p:spTgt spid="4"/>
+                                          <p:spTgt spid="13"/>
                                         </p:tgtEl>
                                       </p:cBhvr>
                                     </p:animEffect>
@@ -16289,7 +16290,7 @@
                             </p:stCondLst>
                             <p:childTnLst>
                               <p:par>
-                                <p:cTn id="42" presetID="10" presetClass="entr" presetSubtype="0" fill="hold" grpId="0" nodeType="clickEffect">
+                                <p:cTn id="42" presetID="10" presetClass="entr" presetSubtype="0" fill="hold" nodeType="clickEffect">
                                   <p:stCondLst>
                                     <p:cond delay="0"/>
                                   </p:stCondLst>
@@ -16302,7 +16303,7 @@
                                           </p:stCondLst>
                                         </p:cTn>
                                         <p:tgtEl>
-                                          <p:spTgt spid="13"/>
+                                          <p:spTgt spid="29"/>
                                         </p:tgtEl>
                                         <p:attrNameLst>
                                           <p:attrName>style.visibility</p:attrName>
@@ -16316,7 +16317,42 @@
                                       <p:cBhvr>
                                         <p:cTn id="44" dur="500"/>
                                         <p:tgtEl>
-                                          <p:spTgt spid="13"/>
+                                          <p:spTgt spid="29"/>
+                                        </p:tgtEl>
+                                      </p:cBhvr>
+                                    </p:animEffect>
+                                  </p:childTnLst>
+                                </p:cTn>
+                              </p:par>
+                              <p:par>
+                                <p:cTn id="45" presetID="10" presetClass="entr" presetSubtype="0" fill="hold" nodeType="withEffect">
+                                  <p:stCondLst>
+                                    <p:cond delay="0"/>
+                                  </p:stCondLst>
+                                  <p:childTnLst>
+                                    <p:set>
+                                      <p:cBhvr>
+                                        <p:cTn id="46" dur="1" fill="hold">
+                                          <p:stCondLst>
+                                            <p:cond delay="0"/>
+                                          </p:stCondLst>
+                                        </p:cTn>
+                                        <p:tgtEl>
+                                          <p:spTgt spid="7"/>
+                                        </p:tgtEl>
+                                        <p:attrNameLst>
+                                          <p:attrName>style.visibility</p:attrName>
+                                        </p:attrNameLst>
+                                      </p:cBhvr>
+                                      <p:to>
+                                        <p:strVal val="visible"/>
+                                      </p:to>
+                                    </p:set>
+                                    <p:animEffect transition="in" filter="fade">
+                                      <p:cBhvr>
+                                        <p:cTn id="47" dur="500"/>
+                                        <p:tgtEl>
+                                          <p:spTgt spid="7"/>
                                         </p:tgtEl>
                                       </p:cBhvr>
                                     </p:animEffect>
@@ -16330,32 +16366,32 @@
                     </p:cTn>
                   </p:par>
                   <p:par>
-                    <p:cTn id="45" fill="hold">
+                    <p:cTn id="48" fill="hold">
                       <p:stCondLst>
                         <p:cond delay="indefinite"/>
                       </p:stCondLst>
                       <p:childTnLst>
                         <p:par>
-                          <p:cTn id="46" fill="hold">
+                          <p:cTn id="49" fill="hold">
                             <p:stCondLst>
                               <p:cond delay="0"/>
                             </p:stCondLst>
                             <p:childTnLst>
                               <p:par>
-                                <p:cTn id="47" presetID="10" presetClass="entr" presetSubtype="0" fill="hold" nodeType="clickEffect">
+                                <p:cTn id="50" presetID="10" presetClass="entr" presetSubtype="0" fill="hold" grpId="0" nodeType="clickEffect">
                                   <p:stCondLst>
                                     <p:cond delay="0"/>
                                   </p:stCondLst>
                                   <p:childTnLst>
                                     <p:set>
                                       <p:cBhvr>
-                                        <p:cTn id="48" dur="1" fill="hold">
+                                        <p:cTn id="51" dur="1" fill="hold">
                                           <p:stCondLst>
                                             <p:cond delay="0"/>
                                           </p:stCondLst>
                                         </p:cTn>
                                         <p:tgtEl>
-                                          <p:spTgt spid="29"/>
+                                          <p:spTgt spid="35"/>
                                         </p:tgtEl>
                                         <p:attrNameLst>
                                           <p:attrName>style.visibility</p:attrName>
@@ -16367,9 +16403,9 @@
                                     </p:set>
                                     <p:animEffect transition="in" filter="fade">
                                       <p:cBhvr>
-                                        <p:cTn id="49" dur="500"/>
-                                        <p:tgtEl>
-                                          <p:spTgt spid="29"/>
+                                        <p:cTn id="52" dur="500"/>
+                                        <p:tgtEl>
+                                          <p:spTgt spid="35"/>
                                         </p:tgtEl>
                                       </p:cBhvr>
                                     </p:animEffect>
@@ -16377,20 +16413,20 @@
                                 </p:cTn>
                               </p:par>
                               <p:par>
-                                <p:cTn id="50" presetID="10" presetClass="entr" presetSubtype="0" fill="hold" nodeType="withEffect">
+                                <p:cTn id="53" presetID="10" presetClass="entr" presetSubtype="0" fill="hold" nodeType="withEffect">
                                   <p:stCondLst>
                                     <p:cond delay="0"/>
                                   </p:stCondLst>
                                   <p:childTnLst>
                                     <p:set>
                                       <p:cBhvr>
-                                        <p:cTn id="51" dur="1" fill="hold">
+                                        <p:cTn id="54" dur="1" fill="hold">
                                           <p:stCondLst>
                                             <p:cond delay="0"/>
                                           </p:stCondLst>
                                         </p:cTn>
                                         <p:tgtEl>
-                                          <p:spTgt spid="7"/>
+                                          <p:spTgt spid="8"/>
                                         </p:tgtEl>
                                         <p:attrNameLst>
                                           <p:attrName>style.visibility</p:attrName>
@@ -16402,9 +16438,9 @@
                                     </p:set>
                                     <p:animEffect transition="in" filter="fade">
                                       <p:cBhvr>
-                                        <p:cTn id="52" dur="500"/>
-                                        <p:tgtEl>
-                                          <p:spTgt spid="7"/>
+                                        <p:cTn id="55" dur="500"/>
+                                        <p:tgtEl>
+                                          <p:spTgt spid="8"/>
                                         </p:tgtEl>
                                       </p:cBhvr>
                                     </p:animEffect>
@@ -16418,32 +16454,32 @@
                     </p:cTn>
                   </p:par>
                   <p:par>
-                    <p:cTn id="53" fill="hold">
+                    <p:cTn id="56" fill="hold">
                       <p:stCondLst>
                         <p:cond delay="indefinite"/>
                       </p:stCondLst>
                       <p:childTnLst>
                         <p:par>
-                          <p:cTn id="54" fill="hold">
+                          <p:cTn id="57" fill="hold">
                             <p:stCondLst>
                               <p:cond delay="0"/>
                             </p:stCondLst>
                             <p:childTnLst>
                               <p:par>
-                                <p:cTn id="55" presetID="10" presetClass="entr" presetSubtype="0" fill="hold" grpId="0" nodeType="clickEffect">
+                                <p:cTn id="58" presetID="10" presetClass="entr" presetSubtype="0" fill="hold" nodeType="clickEffect">
                                   <p:stCondLst>
                                     <p:cond delay="0"/>
                                   </p:stCondLst>
                                   <p:childTnLst>
                                     <p:set>
                                       <p:cBhvr>
-                                        <p:cTn id="56" dur="1" fill="hold">
+                                        <p:cTn id="59" dur="1" fill="hold">
                                           <p:stCondLst>
                                             <p:cond delay="0"/>
                                           </p:stCondLst>
                                         </p:cTn>
                                         <p:tgtEl>
-                                          <p:spTgt spid="35"/>
+                                          <p:spTgt spid="41"/>
                                         </p:tgtEl>
                                         <p:attrNameLst>
                                           <p:attrName>style.visibility</p:attrName>
@@ -16455,9 +16491,9 @@
                                     </p:set>
                                     <p:animEffect transition="in" filter="fade">
                                       <p:cBhvr>
-                                        <p:cTn id="57" dur="500"/>
-                                        <p:tgtEl>
-                                          <p:spTgt spid="35"/>
+                                        <p:cTn id="60" dur="500"/>
+                                        <p:tgtEl>
+                                          <p:spTgt spid="41"/>
                                         </p:tgtEl>
                                       </p:cBhvr>
                                     </p:animEffect>
@@ -16465,20 +16501,20 @@
                                 </p:cTn>
                               </p:par>
                               <p:par>
-                                <p:cTn id="58" presetID="10" presetClass="entr" presetSubtype="0" fill="hold" nodeType="withEffect">
+                                <p:cTn id="61" presetID="10" presetClass="entr" presetSubtype="0" fill="hold" nodeType="withEffect">
                                   <p:stCondLst>
                                     <p:cond delay="0"/>
                                   </p:stCondLst>
                                   <p:childTnLst>
                                     <p:set>
                                       <p:cBhvr>
-                                        <p:cTn id="59" dur="1" fill="hold">
+                                        <p:cTn id="62" dur="1" fill="hold">
                                           <p:stCondLst>
                                             <p:cond delay="0"/>
                                           </p:stCondLst>
                                         </p:cTn>
                                         <p:tgtEl>
-                                          <p:spTgt spid="8"/>
+                                          <p:spTgt spid="10"/>
                                         </p:tgtEl>
                                         <p:attrNameLst>
                                           <p:attrName>style.visibility</p:attrName>
@@ -16490,9 +16526,9 @@
                                     </p:set>
                                     <p:animEffect transition="in" filter="fade">
                                       <p:cBhvr>
-                                        <p:cTn id="60" dur="500"/>
-                                        <p:tgtEl>
-                                          <p:spTgt spid="8"/>
+                                        <p:cTn id="63" dur="500"/>
+                                        <p:tgtEl>
+                                          <p:spTgt spid="10"/>
                                         </p:tgtEl>
                                       </p:cBhvr>
                                     </p:animEffect>
@@ -16506,32 +16542,32 @@
                     </p:cTn>
                   </p:par>
                   <p:par>
-                    <p:cTn id="61" fill="hold">
+                    <p:cTn id="64" fill="hold">
                       <p:stCondLst>
                         <p:cond delay="indefinite"/>
                       </p:stCondLst>
                       <p:childTnLst>
                         <p:par>
-                          <p:cTn id="62" fill="hold">
+                          <p:cTn id="65" fill="hold">
                             <p:stCondLst>
                               <p:cond delay="0"/>
                             </p:stCondLst>
                             <p:childTnLst>
                               <p:par>
-                                <p:cTn id="63" presetID="10" presetClass="entr" presetSubtype="0" fill="hold" nodeType="clickEffect">
+                                <p:cTn id="66" presetID="10" presetClass="entr" presetSubtype="0" fill="hold" grpId="0" nodeType="clickEffect">
                                   <p:stCondLst>
                                     <p:cond delay="0"/>
                                   </p:stCondLst>
                                   <p:childTnLst>
                                     <p:set>
                                       <p:cBhvr>
-                                        <p:cTn id="64" dur="1" fill="hold">
+                                        <p:cTn id="67" dur="1" fill="hold">
                                           <p:stCondLst>
                                             <p:cond delay="0"/>
                                           </p:stCondLst>
                                         </p:cTn>
                                         <p:tgtEl>
-                                          <p:spTgt spid="41"/>
+                                          <p:spTgt spid="38"/>
                                         </p:tgtEl>
                                         <p:attrNameLst>
                                           <p:attrName>style.visibility</p:attrName>
@@ -16543,9 +16579,9 @@
                                     </p:set>
                                     <p:animEffect transition="in" filter="fade">
                                       <p:cBhvr>
-                                        <p:cTn id="65" dur="500"/>
-                                        <p:tgtEl>
-                                          <p:spTgt spid="41"/>
+                                        <p:cTn id="68" dur="500"/>
+                                        <p:tgtEl>
+                                          <p:spTgt spid="38"/>
                                         </p:tgtEl>
                                       </p:cBhvr>
                                     </p:animEffect>
@@ -16553,20 +16589,20 @@
                                 </p:cTn>
                               </p:par>
                               <p:par>
-                                <p:cTn id="66" presetID="10" presetClass="entr" presetSubtype="0" fill="hold" nodeType="withEffect">
+                                <p:cTn id="69" presetID="10" presetClass="entr" presetSubtype="0" fill="hold" nodeType="withEffect">
                                   <p:stCondLst>
                                     <p:cond delay="0"/>
                                   </p:stCondLst>
                                   <p:childTnLst>
                                     <p:set>
                                       <p:cBhvr>
-                                        <p:cTn id="67" dur="1" fill="hold">
+                                        <p:cTn id="70" dur="1" fill="hold">
                                           <p:stCondLst>
                                             <p:cond delay="0"/>
                                           </p:stCondLst>
                                         </p:cTn>
                                         <p:tgtEl>
-                                          <p:spTgt spid="10"/>
+                                          <p:spTgt spid="19"/>
                                         </p:tgtEl>
                                         <p:attrNameLst>
                                           <p:attrName>style.visibility</p:attrName>
@@ -16578,9 +16614,9 @@
                                     </p:set>
                                     <p:animEffect transition="in" filter="fade">
                                       <p:cBhvr>
-                                        <p:cTn id="68" dur="500"/>
-                                        <p:tgtEl>
-                                          <p:spTgt spid="10"/>
+                                        <p:cTn id="71" dur="500"/>
+                                        <p:tgtEl>
+                                          <p:spTgt spid="19"/>
                                         </p:tgtEl>
                                       </p:cBhvr>
                                     </p:animEffect>
@@ -16594,32 +16630,32 @@
                     </p:cTn>
                   </p:par>
                   <p:par>
-                    <p:cTn id="69" fill="hold">
+                    <p:cTn id="72" fill="hold">
                       <p:stCondLst>
                         <p:cond delay="indefinite"/>
                       </p:stCondLst>
                       <p:childTnLst>
                         <p:par>
-                          <p:cTn id="70" fill="hold">
+                          <p:cTn id="73" fill="hold">
                             <p:stCondLst>
                               <p:cond delay="0"/>
                             </p:stCondLst>
                             <p:childTnLst>
                               <p:par>
-                                <p:cTn id="71" presetID="10" presetClass="entr" presetSubtype="0" fill="hold" grpId="0" nodeType="clickEffect">
+                                <p:cTn id="74" presetID="10" presetClass="entr" presetSubtype="0" fill="hold" grpId="0" nodeType="clickEffect">
                                   <p:stCondLst>
                                     <p:cond delay="0"/>
                                   </p:stCondLst>
                                   <p:childTnLst>
                                     <p:set>
                                       <p:cBhvr>
-                                        <p:cTn id="72" dur="1" fill="hold">
+                                        <p:cTn id="75" dur="1" fill="hold">
                                           <p:stCondLst>
                                             <p:cond delay="0"/>
                                           </p:stCondLst>
                                         </p:cTn>
                                         <p:tgtEl>
-                                          <p:spTgt spid="38"/>
+                                          <p:spTgt spid="16"/>
                                         </p:tgtEl>
                                         <p:attrNameLst>
                                           <p:attrName>style.visibility</p:attrName>
@@ -16631,44 +16667,9 @@
                                     </p:set>
                                     <p:animEffect transition="in" filter="fade">
                                       <p:cBhvr>
-                                        <p:cTn id="73" dur="500"/>
-                                        <p:tgtEl>
-                                          <p:spTgt spid="38"/>
-                                        </p:tgtEl>
-                                      </p:cBhvr>
-                                    </p:animEffect>
-                                  </p:childTnLst>
-                                </p:cTn>
-                              </p:par>
-                              <p:par>
-                                <p:cTn id="74" presetID="10" presetClass="entr" presetSubtype="0" fill="hold" nodeType="withEffect">
-                                  <p:stCondLst>
-                                    <p:cond delay="0"/>
-                                  </p:stCondLst>
-                                  <p:childTnLst>
-                                    <p:set>
-                                      <p:cBhvr>
-                                        <p:cTn id="75" dur="1" fill="hold">
-                                          <p:stCondLst>
-                                            <p:cond delay="0"/>
-                                          </p:stCondLst>
-                                        </p:cTn>
-                                        <p:tgtEl>
-                                          <p:spTgt spid="19"/>
-                                        </p:tgtEl>
-                                        <p:attrNameLst>
-                                          <p:attrName>style.visibility</p:attrName>
-                                        </p:attrNameLst>
-                                      </p:cBhvr>
-                                      <p:to>
-                                        <p:strVal val="visible"/>
-                                      </p:to>
-                                    </p:set>
-                                    <p:animEffect transition="in" filter="fade">
-                                      <p:cBhvr>
                                         <p:cTn id="76" dur="500"/>
                                         <p:tgtEl>
-                                          <p:spTgt spid="19"/>
+                                          <p:spTgt spid="16"/>
                                         </p:tgtEl>
                                       </p:cBhvr>
                                     </p:animEffect>
@@ -16694,7 +16695,7 @@
                             </p:stCondLst>
                             <p:childTnLst>
                               <p:par>
-                                <p:cTn id="79" presetID="10" presetClass="entr" presetSubtype="0" fill="hold" grpId="0" nodeType="clickEffect">
+                                <p:cTn id="79" presetID="10" presetClass="entr" presetSubtype="0" fill="hold" nodeType="clickEffect">
                                   <p:stCondLst>
                                     <p:cond delay="0"/>
                                   </p:stCondLst>
@@ -16707,7 +16708,7 @@
                                           </p:stCondLst>
                                         </p:cTn>
                                         <p:tgtEl>
-                                          <p:spTgt spid="16"/>
+                                          <p:spTgt spid="43"/>
                                         </p:tgtEl>
                                         <p:attrNameLst>
                                           <p:attrName>style.visibility</p:attrName>
@@ -16721,7 +16722,42 @@
                                       <p:cBhvr>
                                         <p:cTn id="81" dur="500"/>
                                         <p:tgtEl>
-                                          <p:spTgt spid="16"/>
+                                          <p:spTgt spid="43"/>
+                                        </p:tgtEl>
+                                      </p:cBhvr>
+                                    </p:animEffect>
+                                  </p:childTnLst>
+                                </p:cTn>
+                              </p:par>
+                              <p:par>
+                                <p:cTn id="82" presetID="10" presetClass="entr" presetSubtype="0" fill="hold" nodeType="withEffect">
+                                  <p:stCondLst>
+                                    <p:cond delay="0"/>
+                                  </p:stCondLst>
+                                  <p:childTnLst>
+                                    <p:set>
+                                      <p:cBhvr>
+                                        <p:cTn id="83" dur="1" fill="hold">
+                                          <p:stCondLst>
+                                            <p:cond delay="0"/>
+                                          </p:stCondLst>
+                                        </p:cTn>
+                                        <p:tgtEl>
+                                          <p:spTgt spid="20"/>
+                                        </p:tgtEl>
+                                        <p:attrNameLst>
+                                          <p:attrName>style.visibility</p:attrName>
+                                        </p:attrNameLst>
+                                      </p:cBhvr>
+                                      <p:to>
+                                        <p:strVal val="visible"/>
+                                      </p:to>
+                                    </p:set>
+                                    <p:animEffect transition="in" filter="fade">
+                                      <p:cBhvr>
+                                        <p:cTn id="84" dur="500"/>
+                                        <p:tgtEl>
+                                          <p:spTgt spid="20"/>
                                         </p:tgtEl>
                                       </p:cBhvr>
                                     </p:animEffect>
@@ -16735,32 +16771,32 @@
                     </p:cTn>
                   </p:par>
                   <p:par>
-                    <p:cTn id="82" fill="hold">
+                    <p:cTn id="85" fill="hold">
                       <p:stCondLst>
                         <p:cond delay="indefinite"/>
                       </p:stCondLst>
                       <p:childTnLst>
                         <p:par>
-                          <p:cTn id="83" fill="hold">
+                          <p:cTn id="86" fill="hold">
                             <p:stCondLst>
                               <p:cond delay="0"/>
                             </p:stCondLst>
                             <p:childTnLst>
                               <p:par>
-                                <p:cTn id="84" presetID="10" presetClass="entr" presetSubtype="0" fill="hold" nodeType="clickEffect">
+                                <p:cTn id="87" presetID="10" presetClass="entr" presetSubtype="0" fill="hold" nodeType="clickEffect">
                                   <p:stCondLst>
                                     <p:cond delay="0"/>
                                   </p:stCondLst>
                                   <p:childTnLst>
                                     <p:set>
                                       <p:cBhvr>
-                                        <p:cTn id="85" dur="1" fill="hold">
+                                        <p:cTn id="88" dur="1" fill="hold">
                                           <p:stCondLst>
                                             <p:cond delay="0"/>
                                           </p:stCondLst>
                                         </p:cTn>
                                         <p:tgtEl>
-                                          <p:spTgt spid="43"/>
+                                          <p:spTgt spid="21"/>
                                         </p:tgtEl>
                                         <p:attrNameLst>
                                           <p:attrName>style.visibility</p:attrName>
@@ -16772,44 +16808,9 @@
                                     </p:set>
                                     <p:animEffect transition="in" filter="fade">
                                       <p:cBhvr>
-                                        <p:cTn id="86" dur="500"/>
-                                        <p:tgtEl>
-                                          <p:spTgt spid="43"/>
-                                        </p:tgtEl>
-                                      </p:cBhvr>
-                                    </p:animEffect>
-                                  </p:childTnLst>
-                                </p:cTn>
-                              </p:par>
-                              <p:par>
-                                <p:cTn id="87" presetID="10" presetClass="entr" presetSubtype="0" fill="hold" nodeType="withEffect">
-                                  <p:stCondLst>
-                                    <p:cond delay="0"/>
-                                  </p:stCondLst>
-                                  <p:childTnLst>
-                                    <p:set>
-                                      <p:cBhvr>
-                                        <p:cTn id="88" dur="1" fill="hold">
-                                          <p:stCondLst>
-                                            <p:cond delay="0"/>
-                                          </p:stCondLst>
-                                        </p:cTn>
-                                        <p:tgtEl>
-                                          <p:spTgt spid="20"/>
-                                        </p:tgtEl>
-                                        <p:attrNameLst>
-                                          <p:attrName>style.visibility</p:attrName>
-                                        </p:attrNameLst>
-                                      </p:cBhvr>
-                                      <p:to>
-                                        <p:strVal val="visible"/>
-                                      </p:to>
-                                    </p:set>
-                                    <p:animEffect transition="in" filter="fade">
-                                      <p:cBhvr>
                                         <p:cTn id="89" dur="500"/>
                                         <p:tgtEl>
-                                          <p:spTgt spid="20"/>
+                                          <p:spTgt spid="21"/>
                                         </p:tgtEl>
                                       </p:cBhvr>
                                     </p:animEffect>
@@ -16941,7 +16942,7 @@
           <a:p>
             <a:r>
               <a:rPr lang="es-ES" sz="7200" dirty="0"/>
-              <a:t>Fin</a:t>
+              <a:t>¿Dudas?</a:t>
             </a:r>
             <a:endParaRPr lang="es-ES" dirty="0"/>
           </a:p>
@@ -17022,13 +17023,13 @@
   <p:clrMapOvr>
     <a:masterClrMapping/>
   </p:clrMapOvr>
-  <mc:AlternateContent xmlns:mc="http://schemas.openxmlformats.org/markup-compatibility/2006">
-    <mc:Choice xmlns:p14="http://schemas.microsoft.com/office/powerpoint/2010/main" Requires="p14">
+  <mc:AlternateContent xmlns:mc="http://schemas.openxmlformats.org/markup-compatibility/2006" xmlns:p14="http://schemas.microsoft.com/office/powerpoint/2010/main">
+    <mc:Choice Requires="p14">
       <p:transition spd="med" p14:dur="700">
         <p:fade/>
       </p:transition>
     </mc:Choice>
-    <mc:Fallback>
+    <mc:Fallback xmlns="">
       <p:transition spd="med">
         <p:fade/>
       </p:transition>
@@ -17517,13 +17518,13 @@
   <p:clrMapOvr>
     <a:masterClrMapping/>
   </p:clrMapOvr>
-  <mc:AlternateContent xmlns:mc="http://schemas.openxmlformats.org/markup-compatibility/2006">
-    <mc:Choice xmlns:p14="http://schemas.microsoft.com/office/powerpoint/2010/main" Requires="p14">
+  <mc:AlternateContent xmlns:mc="http://schemas.openxmlformats.org/markup-compatibility/2006" xmlns:p14="http://schemas.microsoft.com/office/powerpoint/2010/main">
+    <mc:Choice Requires="p14">
       <p:transition spd="med" p14:dur="700">
         <p:fade/>
       </p:transition>
     </mc:Choice>
-    <mc:Fallback>
+    <mc:Fallback xmlns="">
       <p:transition spd="med">
         <p:fade/>
       </p:transition>
@@ -18478,13 +18479,13 @@
   <p:clrMapOvr>
     <a:masterClrMapping/>
   </p:clrMapOvr>
-  <mc:AlternateContent xmlns:mc="http://schemas.openxmlformats.org/markup-compatibility/2006">
-    <mc:Choice xmlns:p14="http://schemas.microsoft.com/office/powerpoint/2010/main" Requires="p14">
+  <mc:AlternateContent xmlns:mc="http://schemas.openxmlformats.org/markup-compatibility/2006" xmlns:p14="http://schemas.microsoft.com/office/powerpoint/2010/main">
+    <mc:Choice Requires="p14">
       <p:transition spd="med" p14:dur="700">
         <p:fade/>
       </p:transition>
     </mc:Choice>
-    <mc:Fallback>
+    <mc:Fallback xmlns="">
       <p:transition spd="med">
         <p:fade/>
       </p:transition>
@@ -20046,13 +20047,13 @@
   <p:clrMapOvr>
     <a:masterClrMapping/>
   </p:clrMapOvr>
-  <mc:AlternateContent xmlns:mc="http://schemas.openxmlformats.org/markup-compatibility/2006">
-    <mc:Choice xmlns:p14="http://schemas.microsoft.com/office/powerpoint/2010/main" Requires="p14">
+  <mc:AlternateContent xmlns:mc="http://schemas.openxmlformats.org/markup-compatibility/2006" xmlns:p14="http://schemas.microsoft.com/office/powerpoint/2010/main">
+    <mc:Choice Requires="p14">
       <p:transition spd="med" p14:dur="700">
         <p:fade/>
       </p:transition>
     </mc:Choice>
-    <mc:Fallback>
+    <mc:Fallback xmlns="">
       <p:transition spd="med">
         <p:fade/>
       </p:transition>
@@ -20763,13 +20764,13 @@
   <p:clrMapOvr>
     <a:masterClrMapping/>
   </p:clrMapOvr>
-  <mc:AlternateContent xmlns:mc="http://schemas.openxmlformats.org/markup-compatibility/2006">
-    <mc:Choice xmlns:p14="http://schemas.microsoft.com/office/powerpoint/2010/main" Requires="p14">
+  <mc:AlternateContent xmlns:mc="http://schemas.openxmlformats.org/markup-compatibility/2006" xmlns:p14="http://schemas.microsoft.com/office/powerpoint/2010/main">
+    <mc:Choice Requires="p14">
       <p:transition spd="med" p14:dur="700">
         <p:fade/>
       </p:transition>
     </mc:Choice>
-    <mc:Fallback>
+    <mc:Fallback xmlns="">
       <p:transition spd="med">
         <p:fade/>
       </p:transition>
@@ -22008,13 +22009,13 @@
   <p:clrMapOvr>
     <a:masterClrMapping/>
   </p:clrMapOvr>
-  <mc:AlternateContent xmlns:mc="http://schemas.openxmlformats.org/markup-compatibility/2006">
-    <mc:Choice xmlns:p14="http://schemas.microsoft.com/office/powerpoint/2010/main" Requires="p14">
+  <mc:AlternateContent xmlns:mc="http://schemas.openxmlformats.org/markup-compatibility/2006" xmlns:p14="http://schemas.microsoft.com/office/powerpoint/2010/main">
+    <mc:Choice Requires="p14">
       <p:transition spd="med" p14:dur="700">
         <p:fade/>
       </p:transition>
     </mc:Choice>
-    <mc:Fallback>
+    <mc:Fallback xmlns="">
       <p:transition spd="med">
         <p:fade/>
       </p:transition>
@@ -23361,13 +23362,13 @@
   <p:clrMapOvr>
     <a:masterClrMapping/>
   </p:clrMapOvr>
-  <mc:AlternateContent xmlns:mc="http://schemas.openxmlformats.org/markup-compatibility/2006">
-    <mc:Choice xmlns:p14="http://schemas.microsoft.com/office/powerpoint/2010/main" Requires="p14">
+  <mc:AlternateContent xmlns:mc="http://schemas.openxmlformats.org/markup-compatibility/2006" xmlns:p14="http://schemas.microsoft.com/office/powerpoint/2010/main">
+    <mc:Choice Requires="p14">
       <p:transition spd="med" p14:dur="700">
         <p:fade/>
       </p:transition>
     </mc:Choice>
-    <mc:Fallback>
+    <mc:Fallback xmlns="">
       <p:transition spd="med">
         <p:fade/>
       </p:transition>
@@ -24476,13 +24477,13 @@
   <p:clrMapOvr>
     <a:masterClrMapping/>
   </p:clrMapOvr>
-  <mc:AlternateContent xmlns:mc="http://schemas.openxmlformats.org/markup-compatibility/2006">
-    <mc:Choice xmlns:p14="http://schemas.microsoft.com/office/powerpoint/2010/main" Requires="p14">
+  <mc:AlternateContent xmlns:mc="http://schemas.openxmlformats.org/markup-compatibility/2006" xmlns:p14="http://schemas.microsoft.com/office/powerpoint/2010/main">
+    <mc:Choice Requires="p14">
       <p:transition spd="med" p14:dur="700">
         <p:fade/>
       </p:transition>
     </mc:Choice>
-    <mc:Fallback>
+    <mc:Fallback xmlns="">
       <p:transition spd="med">
         <p:fade/>
       </p:transition>
@@ -25748,13 +25749,13 @@
   <p:clrMapOvr>
     <a:masterClrMapping/>
   </p:clrMapOvr>
-  <mc:AlternateContent xmlns:mc="http://schemas.openxmlformats.org/markup-compatibility/2006">
-    <mc:Choice xmlns:p14="http://schemas.microsoft.com/office/powerpoint/2010/main" Requires="p14">
+  <mc:AlternateContent xmlns:mc="http://schemas.openxmlformats.org/markup-compatibility/2006" xmlns:p14="http://schemas.microsoft.com/office/powerpoint/2010/main">
+    <mc:Choice Requires="p14">
       <p:transition spd="med" p14:dur="700">
         <p:fade/>
       </p:transition>
     </mc:Choice>
-    <mc:Fallback>
+    <mc:Fallback xmlns="">
       <p:transition spd="med">
         <p:fade/>
       </p:transition>
